--- a/웹크롤링(PPT)/웹 크롤링 기초 강의안.pptx
+++ b/웹크롤링(PPT)/웹 크롤링 기초 강의안.pptx
@@ -467,7 +467,7 @@
           <a:p>
             <a:fld id="{FB30EDBD-1C2D-4C1E-B459-B60219FAB484}" type="datetimeFigureOut">
               <a:rPr lang="ko-KR" altLang="en-US" smtClean="0"/>
-              <a:t>2020-11-05</a:t>
+              <a:t>2020-11-11</a:t>
             </a:fld>
             <a:endParaRPr lang="ko-KR" altLang="en-US"/>
           </a:p>
@@ -630,7 +630,7 @@
           <a:p>
             <a:fld id="{FB30EDBD-1C2D-4C1E-B459-B60219FAB484}" type="datetimeFigureOut">
               <a:rPr lang="ko-KR" altLang="en-US" smtClean="0"/>
-              <a:t>2020-11-05</a:t>
+              <a:t>2020-11-11</a:t>
             </a:fld>
             <a:endParaRPr lang="ko-KR" altLang="en-US"/>
           </a:p>
@@ -803,7 +803,7 @@
           <a:p>
             <a:fld id="{FB30EDBD-1C2D-4C1E-B459-B60219FAB484}" type="datetimeFigureOut">
               <a:rPr lang="ko-KR" altLang="en-US" smtClean="0"/>
-              <a:t>2020-11-05</a:t>
+              <a:t>2020-11-11</a:t>
             </a:fld>
             <a:endParaRPr lang="ko-KR" altLang="en-US"/>
           </a:p>
@@ -966,7 +966,7 @@
           <a:p>
             <a:fld id="{FB30EDBD-1C2D-4C1E-B459-B60219FAB484}" type="datetimeFigureOut">
               <a:rPr lang="ko-KR" altLang="en-US" smtClean="0"/>
-              <a:t>2020-11-05</a:t>
+              <a:t>2020-11-11</a:t>
             </a:fld>
             <a:endParaRPr lang="ko-KR" altLang="en-US"/>
           </a:p>
@@ -1206,7 +1206,7 @@
           <a:p>
             <a:fld id="{FB30EDBD-1C2D-4C1E-B459-B60219FAB484}" type="datetimeFigureOut">
               <a:rPr lang="ko-KR" altLang="en-US" smtClean="0"/>
-              <a:t>2020-11-05</a:t>
+              <a:t>2020-11-11</a:t>
             </a:fld>
             <a:endParaRPr lang="ko-KR" altLang="en-US"/>
           </a:p>
@@ -1486,7 +1486,7 @@
           <a:p>
             <a:fld id="{FB30EDBD-1C2D-4C1E-B459-B60219FAB484}" type="datetimeFigureOut">
               <a:rPr lang="ko-KR" altLang="en-US" smtClean="0"/>
-              <a:t>2020-11-05</a:t>
+              <a:t>2020-11-11</a:t>
             </a:fld>
             <a:endParaRPr lang="ko-KR" altLang="en-US"/>
           </a:p>
@@ -1900,7 +1900,7 @@
           <a:p>
             <a:fld id="{FB30EDBD-1C2D-4C1E-B459-B60219FAB484}" type="datetimeFigureOut">
               <a:rPr lang="ko-KR" altLang="en-US" smtClean="0"/>
-              <a:t>2020-11-05</a:t>
+              <a:t>2020-11-11</a:t>
             </a:fld>
             <a:endParaRPr lang="ko-KR" altLang="en-US"/>
           </a:p>
@@ -2012,7 +2012,7 @@
           <a:p>
             <a:fld id="{FB30EDBD-1C2D-4C1E-B459-B60219FAB484}" type="datetimeFigureOut">
               <a:rPr lang="ko-KR" altLang="en-US" smtClean="0"/>
-              <a:t>2020-11-05</a:t>
+              <a:t>2020-11-11</a:t>
             </a:fld>
             <a:endParaRPr lang="ko-KR" altLang="en-US"/>
           </a:p>
@@ -2102,7 +2102,7 @@
           <a:p>
             <a:fld id="{FB30EDBD-1C2D-4C1E-B459-B60219FAB484}" type="datetimeFigureOut">
               <a:rPr lang="ko-KR" altLang="en-US" smtClean="0"/>
-              <a:t>2020-11-05</a:t>
+              <a:t>2020-11-11</a:t>
             </a:fld>
             <a:endParaRPr lang="ko-KR" altLang="en-US"/>
           </a:p>
@@ -2372,7 +2372,7 @@
           <a:p>
             <a:fld id="{FB30EDBD-1C2D-4C1E-B459-B60219FAB484}" type="datetimeFigureOut">
               <a:rPr lang="ko-KR" altLang="en-US" smtClean="0"/>
-              <a:t>2020-11-05</a:t>
+              <a:t>2020-11-11</a:t>
             </a:fld>
             <a:endParaRPr lang="ko-KR" altLang="en-US"/>
           </a:p>
@@ -2619,7 +2619,7 @@
           <a:p>
             <a:fld id="{FB30EDBD-1C2D-4C1E-B459-B60219FAB484}" type="datetimeFigureOut">
               <a:rPr lang="ko-KR" altLang="en-US" smtClean="0"/>
-              <a:t>2020-11-05</a:t>
+              <a:t>2020-11-11</a:t>
             </a:fld>
             <a:endParaRPr lang="ko-KR" altLang="en-US"/>
           </a:p>
@@ -2825,7 +2825,7 @@
           <a:p>
             <a:fld id="{FB30EDBD-1C2D-4C1E-B459-B60219FAB484}" type="datetimeFigureOut">
               <a:rPr lang="ko-KR" altLang="en-US" smtClean="0"/>
-              <a:t>2020-11-05</a:t>
+              <a:t>2020-11-11</a:t>
             </a:fld>
             <a:endParaRPr lang="ko-KR" altLang="en-US"/>
           </a:p>
@@ -3495,6 +3495,16 @@
 <file path=ppt/slides/slide10.xml><?xml version="1.0" encoding="utf-8"?>
 <p:sld xmlns:a="http://schemas.openxmlformats.org/drawingml/2006/main" xmlns:r="http://schemas.openxmlformats.org/officeDocument/2006/relationships" xmlns:p="http://schemas.openxmlformats.org/presentationml/2006/main">
   <p:cSld>
+    <p:bg>
+      <p:bgPr>
+        <a:solidFill>
+          <a:schemeClr val="bg1">
+            <a:lumMod val="95000"/>
+          </a:schemeClr>
+        </a:solidFill>
+        <a:effectLst/>
+      </p:bgPr>
+    </p:bg>
     <p:spTree>
       <p:nvGrpSpPr>
         <p:cNvPr id="1" name=""/>
@@ -3521,7 +3531,7 @@
         </p:nvSpPr>
         <p:spPr>
           <a:xfrm>
-            <a:off x="-455753" y="1370964"/>
+            <a:off x="-471708" y="244848"/>
             <a:ext cx="10881361" cy="2058036"/>
           </a:xfrm>
         </p:spPr>
@@ -3750,7 +3760,7 @@
         </p:blipFill>
         <p:spPr bwMode="auto">
           <a:xfrm>
-            <a:off x="3840948" y="2780928"/>
+            <a:off x="3840948" y="1598604"/>
             <a:ext cx="2224104" cy="2224104"/>
           </a:xfrm>
           <a:prstGeom prst="rect">
@@ -3768,6 +3778,151 @@
           </a:extLst>
         </p:spPr>
       </p:pic>
+      <p:sp>
+        <p:nvSpPr>
+          <p:cNvPr id="7" name="제목 1">
+            <a:extLst>
+              <a:ext uri="{FF2B5EF4-FFF2-40B4-BE49-F238E27FC236}">
+                <a16:creationId xmlns:a16="http://schemas.microsoft.com/office/drawing/2014/main" id="{01362B0C-E3AD-455F-9D09-8CBD71549A1E}"/>
+              </a:ext>
+            </a:extLst>
+          </p:cNvPr>
+          <p:cNvSpPr txBox="1">
+            <a:spLocks/>
+          </p:cNvSpPr>
+          <p:nvPr/>
+        </p:nvSpPr>
+        <p:spPr>
+          <a:xfrm>
+            <a:off x="-455753" y="3645024"/>
+            <a:ext cx="10881361" cy="2058036"/>
+          </a:xfrm>
+          <a:prstGeom prst="rect">
+            <a:avLst/>
+          </a:prstGeom>
+        </p:spPr>
+        <p:txBody>
+          <a:bodyPr vert="horz" lIns="91440" tIns="45720" rIns="91440" bIns="45720" rtlCol="0" anchor="ctr">
+            <a:normAutofit/>
+          </a:bodyPr>
+          <a:lstStyle>
+            <a:lvl1pPr algn="ctr" defTabSz="1280496" rtl="0" eaLnBrk="1" latinLnBrk="1" hangingPunct="1">
+              <a:spcBef>
+                <a:spcPct val="0"/>
+              </a:spcBef>
+              <a:buNone/>
+              <a:defRPr sz="6161" kern="1200">
+                <a:solidFill>
+                  <a:schemeClr val="tx1"/>
+                </a:solidFill>
+                <a:latin typeface="+mj-lt"/>
+                <a:ea typeface="+mj-ea"/>
+                <a:cs typeface="+mj-cs"/>
+              </a:defRPr>
+            </a:lvl1pPr>
+          </a:lstStyle>
+          <a:p>
+            <a:r>
+              <a:rPr lang="en-US" altLang="ko-KR" sz="3200" dirty="0">
+                <a:latin typeface="배달의민족 주아" pitchFamily="18" charset="-127"/>
+                <a:ea typeface="배달의민족 주아" pitchFamily="18" charset="-127"/>
+              </a:rPr>
+              <a:t>* </a:t>
+            </a:r>
+            <a:r>
+              <a:rPr lang="ko-KR" altLang="en-US" sz="3200" dirty="0">
+                <a:latin typeface="배달의민족 주아" pitchFamily="18" charset="-127"/>
+                <a:ea typeface="배달의민족 주아" pitchFamily="18" charset="-127"/>
+              </a:rPr>
+              <a:t>각자의 실력이 다르지만</a:t>
+            </a:r>
+            <a:endParaRPr lang="en-US" altLang="ko-KR" sz="3200" dirty="0">
+              <a:latin typeface="배달의민족 주아" pitchFamily="18" charset="-127"/>
+              <a:ea typeface="배달의민족 주아" pitchFamily="18" charset="-127"/>
+            </a:endParaRPr>
+          </a:p>
+          <a:p>
+            <a:r>
+              <a:rPr lang="ko-KR" altLang="en-US" sz="3200" dirty="0">
+                <a:solidFill>
+                  <a:schemeClr val="accent6"/>
+                </a:solidFill>
+                <a:latin typeface="배달의민족 주아" pitchFamily="18" charset="-127"/>
+                <a:ea typeface="배달의민족 주아" pitchFamily="18" charset="-127"/>
+              </a:rPr>
+              <a:t>같은 출발선</a:t>
+            </a:r>
+            <a:r>
+              <a:rPr lang="ko-KR" altLang="en-US" sz="3200" dirty="0">
+                <a:latin typeface="배달의민족 주아" pitchFamily="18" charset="-127"/>
+                <a:ea typeface="배달의민족 주아" pitchFamily="18" charset="-127"/>
+              </a:rPr>
+              <a:t>에 있다 생각하기</a:t>
+            </a:r>
+          </a:p>
+        </p:txBody>
+      </p:sp>
+      <p:sp>
+        <p:nvSpPr>
+          <p:cNvPr id="10" name="제목 1">
+            <a:extLst>
+              <a:ext uri="{FF2B5EF4-FFF2-40B4-BE49-F238E27FC236}">
+                <a16:creationId xmlns:a16="http://schemas.microsoft.com/office/drawing/2014/main" id="{B419413D-A8EC-4546-A520-6A66F3B2541C}"/>
+              </a:ext>
+            </a:extLst>
+          </p:cNvPr>
+          <p:cNvSpPr txBox="1">
+            <a:spLocks/>
+          </p:cNvSpPr>
+          <p:nvPr/>
+        </p:nvSpPr>
+        <p:spPr>
+          <a:xfrm>
+            <a:off x="-455753" y="4767222"/>
+            <a:ext cx="10881361" cy="2058036"/>
+          </a:xfrm>
+          <a:prstGeom prst="rect">
+            <a:avLst/>
+          </a:prstGeom>
+        </p:spPr>
+        <p:txBody>
+          <a:bodyPr vert="horz" lIns="91440" tIns="45720" rIns="91440" bIns="45720" rtlCol="0" anchor="ctr">
+            <a:normAutofit/>
+          </a:bodyPr>
+          <a:lstStyle>
+            <a:lvl1pPr algn="ctr" defTabSz="1280496" rtl="0" eaLnBrk="1" latinLnBrk="1" hangingPunct="1">
+              <a:spcBef>
+                <a:spcPct val="0"/>
+              </a:spcBef>
+              <a:buNone/>
+              <a:defRPr sz="6161" kern="1200">
+                <a:solidFill>
+                  <a:schemeClr val="tx1"/>
+                </a:solidFill>
+                <a:latin typeface="+mj-lt"/>
+                <a:ea typeface="+mj-ea"/>
+                <a:cs typeface="+mj-cs"/>
+              </a:defRPr>
+            </a:lvl1pPr>
+          </a:lstStyle>
+          <a:p>
+            <a:r>
+              <a:rPr lang="en-US" altLang="ko-KR" sz="3200" dirty="0">
+                <a:latin typeface="배달의민족 주아" pitchFamily="18" charset="-127"/>
+                <a:ea typeface="배달의민족 주아" pitchFamily="18" charset="-127"/>
+              </a:rPr>
+              <a:t>* </a:t>
+            </a:r>
+            <a:r>
+              <a:rPr lang="ko-KR" altLang="en-US" sz="3200" dirty="0">
+                <a:latin typeface="배달의민족 주아" pitchFamily="18" charset="-127"/>
+                <a:ea typeface="배달의민족 주아" pitchFamily="18" charset="-127"/>
+              </a:rPr>
+              <a:t>기초가 탄탄해야 응용을 할 수 있음</a:t>
+            </a:r>
+          </a:p>
+        </p:txBody>
+      </p:sp>
     </p:spTree>
     <p:extLst>
       <p:ext uri="{BB962C8B-B14F-4D97-AF65-F5344CB8AC3E}">
@@ -3953,6 +4108,118 @@
                       </p:childTnLst>
                     </p:cTn>
                   </p:par>
+                  <p:par>
+                    <p:cTn id="18" fill="hold">
+                      <p:stCondLst>
+                        <p:cond delay="indefinite"/>
+                      </p:stCondLst>
+                      <p:childTnLst>
+                        <p:par>
+                          <p:cTn id="19" fill="hold">
+                            <p:stCondLst>
+                              <p:cond delay="0"/>
+                            </p:stCondLst>
+                            <p:childTnLst>
+                              <p:par>
+                                <p:cTn id="20" presetID="10" presetClass="entr" presetSubtype="0" fill="hold" grpId="0" nodeType="clickEffect">
+                                  <p:stCondLst>
+                                    <p:cond delay="0"/>
+                                  </p:stCondLst>
+                                  <p:iterate type="lt">
+                                    <p:tmPct val="10000"/>
+                                  </p:iterate>
+                                  <p:childTnLst>
+                                    <p:set>
+                                      <p:cBhvr>
+                                        <p:cTn id="21" dur="1" fill="hold">
+                                          <p:stCondLst>
+                                            <p:cond delay="0"/>
+                                          </p:stCondLst>
+                                        </p:cTn>
+                                        <p:tgtEl>
+                                          <p:spTgt spid="7"/>
+                                        </p:tgtEl>
+                                        <p:attrNameLst>
+                                          <p:attrName>style.visibility</p:attrName>
+                                        </p:attrNameLst>
+                                      </p:cBhvr>
+                                      <p:to>
+                                        <p:strVal val="visible"/>
+                                      </p:to>
+                                    </p:set>
+                                    <p:animEffect transition="in" filter="fade">
+                                      <p:cBhvr>
+                                        <p:cTn id="22" dur="500"/>
+                                        <p:tgtEl>
+                                          <p:spTgt spid="7"/>
+                                        </p:tgtEl>
+                                      </p:cBhvr>
+                                    </p:animEffect>
+                                  </p:childTnLst>
+                                </p:cTn>
+                              </p:par>
+                            </p:childTnLst>
+                          </p:cTn>
+                        </p:par>
+                      </p:childTnLst>
+                    </p:cTn>
+                  </p:par>
+                  <p:par>
+                    <p:cTn id="23" fill="hold">
+                      <p:stCondLst>
+                        <p:cond delay="indefinite"/>
+                      </p:stCondLst>
+                      <p:childTnLst>
+                        <p:par>
+                          <p:cTn id="24" fill="hold">
+                            <p:stCondLst>
+                              <p:cond delay="0"/>
+                            </p:stCondLst>
+                            <p:childTnLst>
+                              <p:par>
+                                <p:cTn id="25" presetID="10" presetClass="entr" presetSubtype="0" fill="hold" grpId="0" nodeType="clickEffect">
+                                  <p:stCondLst>
+                                    <p:cond delay="0"/>
+                                  </p:stCondLst>
+                                  <p:iterate type="lt">
+                                    <p:tmPct val="10000"/>
+                                  </p:iterate>
+                                  <p:childTnLst>
+                                    <p:set>
+                                      <p:cBhvr>
+                                        <p:cTn id="26" dur="1" fill="hold">
+                                          <p:stCondLst>
+                                            <p:cond delay="0"/>
+                                          </p:stCondLst>
+                                        </p:cTn>
+                                        <p:tgtEl>
+                                          <p:spTgt spid="10"/>
+                                        </p:tgtEl>
+                                        <p:attrNameLst>
+                                          <p:attrName>style.visibility</p:attrName>
+                                        </p:attrNameLst>
+                                      </p:cBhvr>
+                                      <p:to>
+                                        <p:strVal val="visible"/>
+                                      </p:to>
+                                    </p:set>
+                                    <p:animEffect transition="in" filter="fade">
+                                      <p:cBhvr>
+                                        <p:cTn id="27" dur="500"/>
+                                        <p:tgtEl>
+                                          <p:spTgt spid="10"/>
+                                        </p:tgtEl>
+                                      </p:cBhvr>
+                                    </p:animEffect>
+                                  </p:childTnLst>
+                                </p:cTn>
+                              </p:par>
+                            </p:childTnLst>
+                          </p:cTn>
+                        </p:par>
+                      </p:childTnLst>
+                    </p:cTn>
+                  </p:par>
                 </p:childTnLst>
               </p:cTn>
               <p:prevCondLst>
@@ -3977,6 +4244,8 @@
     <p:bldLst>
       <p:bldP spid="2" grpId="0"/>
       <p:bldP spid="4" grpId="0"/>
+      <p:bldP spid="7" grpId="0"/>
+      <p:bldP spid="10" grpId="0"/>
     </p:bldLst>
   </p:timing>
 </p:sld>
@@ -3985,6 +4254,16 @@
 <file path=ppt/slides/slide11.xml><?xml version="1.0" encoding="utf-8"?>
 <p:sld xmlns:a="http://schemas.openxmlformats.org/drawingml/2006/main" xmlns:r="http://schemas.openxmlformats.org/officeDocument/2006/relationships" xmlns:p="http://schemas.openxmlformats.org/presentationml/2006/main">
   <p:cSld>
+    <p:bg>
+      <p:bgPr>
+        <a:solidFill>
+          <a:schemeClr val="bg1">
+            <a:lumMod val="95000"/>
+          </a:schemeClr>
+        </a:solidFill>
+        <a:effectLst/>
+      </p:bgPr>
+    </p:bg>
     <p:spTree>
       <p:nvGrpSpPr>
         <p:cNvPr id="1" name=""/>
@@ -4040,7 +4319,21 @@
                 <a:latin typeface="배달의민족 주아" pitchFamily="18" charset="-127"/>
                 <a:ea typeface="배달의민족 주아" pitchFamily="18" charset="-127"/>
               </a:rPr>
-              <a:t>(HTML, CSS)</a:t>
+              <a:t>(HTML, CSS</a:t>
+            </a:r>
+            <a:r>
+              <a:rPr lang="ko-KR" altLang="en-US" sz="4000" dirty="0" err="1">
+                <a:latin typeface="배달의민족 주아" pitchFamily="18" charset="-127"/>
+                <a:ea typeface="배달의민족 주아" pitchFamily="18" charset="-127"/>
+              </a:rPr>
+              <a:t>선택자</a:t>
+            </a:r>
+            <a:r>
+              <a:rPr lang="en-US" altLang="ko-KR" sz="4000" dirty="0">
+                <a:latin typeface="배달의민족 주아" pitchFamily="18" charset="-127"/>
+                <a:ea typeface="배달의민족 주아" pitchFamily="18" charset="-127"/>
+              </a:rPr>
+              <a:t>)</a:t>
             </a:r>
             <a:endParaRPr lang="ko-KR" altLang="en-US" sz="4000" dirty="0">
               <a:latin typeface="배달의민족 주아" pitchFamily="18" charset="-127"/>
@@ -4499,6 +4792,16 @@
 <file path=ppt/slides/slide12.xml><?xml version="1.0" encoding="utf-8"?>
 <p:sld xmlns:a="http://schemas.openxmlformats.org/drawingml/2006/main" xmlns:r="http://schemas.openxmlformats.org/officeDocument/2006/relationships" xmlns:p="http://schemas.openxmlformats.org/presentationml/2006/main">
   <p:cSld>
+    <p:bg>
+      <p:bgPr>
+        <a:solidFill>
+          <a:schemeClr val="bg1">
+            <a:lumMod val="95000"/>
+          </a:schemeClr>
+        </a:solidFill>
+        <a:effectLst/>
+      </p:bgPr>
+    </p:bg>
     <p:spTree>
       <p:nvGrpSpPr>
         <p:cNvPr id="1" name=""/>
@@ -5245,6 +5548,16 @@
 <file path=ppt/slides/slide3.xml><?xml version="1.0" encoding="utf-8"?>
 <p:sld xmlns:a="http://schemas.openxmlformats.org/drawingml/2006/main" xmlns:r="http://schemas.openxmlformats.org/officeDocument/2006/relationships" xmlns:p="http://schemas.openxmlformats.org/presentationml/2006/main">
   <p:cSld>
+    <p:bg>
+      <p:bgPr>
+        <a:solidFill>
+          <a:schemeClr val="bg1">
+            <a:lumMod val="95000"/>
+          </a:schemeClr>
+        </a:solidFill>
+        <a:effectLst/>
+      </p:bgPr>
+    </p:bg>
     <p:spTree>
       <p:nvGrpSpPr>
         <p:cNvPr id="1" name=""/>
@@ -5655,6 +5968,16 @@
 <file path=ppt/slides/slide4.xml><?xml version="1.0" encoding="utf-8"?>
 <p:sld xmlns:a="http://schemas.openxmlformats.org/drawingml/2006/main" xmlns:r="http://schemas.openxmlformats.org/officeDocument/2006/relationships" xmlns:p="http://schemas.openxmlformats.org/presentationml/2006/main">
   <p:cSld>
+    <p:bg>
+      <p:bgPr>
+        <a:solidFill>
+          <a:schemeClr val="bg1">
+            <a:lumMod val="95000"/>
+          </a:schemeClr>
+        </a:solidFill>
+        <a:effectLst/>
+      </p:bgPr>
+    </p:bg>
     <p:spTree>
       <p:nvGrpSpPr>
         <p:cNvPr id="1" name=""/>
@@ -6217,6 +6540,16 @@
 <file path=ppt/slides/slide5.xml><?xml version="1.0" encoding="utf-8"?>
 <p:sld xmlns:a="http://schemas.openxmlformats.org/drawingml/2006/main" xmlns:r="http://schemas.openxmlformats.org/officeDocument/2006/relationships" xmlns:p="http://schemas.openxmlformats.org/presentationml/2006/main">
   <p:cSld>
+    <p:bg>
+      <p:bgPr>
+        <a:solidFill>
+          <a:schemeClr val="bg1">
+            <a:lumMod val="95000"/>
+          </a:schemeClr>
+        </a:solidFill>
+        <a:effectLst/>
+      </p:bgPr>
+    </p:bg>
     <p:spTree>
       <p:nvGrpSpPr>
         <p:cNvPr id="1" name=""/>
@@ -6769,6 +7102,16 @@
 <file path=ppt/slides/slide6.xml><?xml version="1.0" encoding="utf-8"?>
 <p:sld xmlns:a="http://schemas.openxmlformats.org/drawingml/2006/main" xmlns:r="http://schemas.openxmlformats.org/officeDocument/2006/relationships" xmlns:p="http://schemas.openxmlformats.org/presentationml/2006/main">
   <p:cSld>
+    <p:bg>
+      <p:bgPr>
+        <a:solidFill>
+          <a:schemeClr val="bg1">
+            <a:lumMod val="95000"/>
+          </a:schemeClr>
+        </a:solidFill>
+        <a:effectLst/>
+      </p:bgPr>
+    </p:bg>
     <p:spTree>
       <p:nvGrpSpPr>
         <p:cNvPr id="1" name=""/>
@@ -7352,6 +7695,16 @@
 <file path=ppt/slides/slide7.xml><?xml version="1.0" encoding="utf-8"?>
 <p:sld xmlns:a="http://schemas.openxmlformats.org/drawingml/2006/main" xmlns:r="http://schemas.openxmlformats.org/officeDocument/2006/relationships" xmlns:p="http://schemas.openxmlformats.org/presentationml/2006/main">
   <p:cSld>
+    <p:bg>
+      <p:bgPr>
+        <a:solidFill>
+          <a:schemeClr val="bg1">
+            <a:lumMod val="95000"/>
+          </a:schemeClr>
+        </a:solidFill>
+        <a:effectLst/>
+      </p:bgPr>
+    </p:bg>
     <p:spTree>
       <p:nvGrpSpPr>
         <p:cNvPr id="1" name=""/>
@@ -7809,6 +8162,16 @@
 <file path=ppt/slides/slide8.xml><?xml version="1.0" encoding="utf-8"?>
 <p:sld xmlns:a="http://schemas.openxmlformats.org/drawingml/2006/main" xmlns:r="http://schemas.openxmlformats.org/officeDocument/2006/relationships" xmlns:p="http://schemas.openxmlformats.org/presentationml/2006/main">
   <p:cSld>
+    <p:bg>
+      <p:bgPr>
+        <a:solidFill>
+          <a:schemeClr val="bg1">
+            <a:lumMod val="95000"/>
+          </a:schemeClr>
+        </a:solidFill>
+        <a:effectLst/>
+      </p:bgPr>
+    </p:bg>
     <p:spTree>
       <p:nvGrpSpPr>
         <p:cNvPr id="1" name=""/>
@@ -8242,6 +8605,16 @@
 <file path=ppt/slides/slide9.xml><?xml version="1.0" encoding="utf-8"?>
 <p:sld xmlns:a="http://schemas.openxmlformats.org/drawingml/2006/main" xmlns:r="http://schemas.openxmlformats.org/officeDocument/2006/relationships" xmlns:p="http://schemas.openxmlformats.org/presentationml/2006/main">
   <p:cSld>
+    <p:bg>
+      <p:bgPr>
+        <a:solidFill>
+          <a:schemeClr val="bg1">
+            <a:lumMod val="95000"/>
+          </a:schemeClr>
+        </a:solidFill>
+        <a:effectLst/>
+      </p:bgPr>
+    </p:bg>
     <p:spTree>
       <p:nvGrpSpPr>
         <p:cNvPr id="1" name=""/>
